--- a/codeScorePreview.pptx
+++ b/codeScorePreview.pptx
@@ -3857,13 +3857,55 @@
         </p:spPr>
         <p:txBody>
           <a:bodyPr>
-            <a:normAutofit fontScale="77500" lnSpcReduction="20000"/>
+            <a:normAutofit fontScale="70000" lnSpcReduction="20000"/>
           </a:bodyPr>
           <a:lstStyle/>
           <a:p>
             <a:r>
+              <a:rPr lang="en-US" smtClean="0"/>
+              <a:t>Each team member: f</a:t>
+            </a:r>
+            <a:r>
+              <a:rPr lang="en-US" smtClean="0"/>
+              <a:t>ork </a:t>
+            </a:r>
+            <a:r>
+              <a:rPr lang="en-US" dirty="0" smtClean="0"/>
+              <a:t>into </a:t>
+            </a:r>
+            <a:r>
+              <a:rPr lang="en-US" dirty="0" err="1" smtClean="0"/>
+              <a:t>codescore</a:t>
+            </a:r>
+            <a:r>
+              <a:rPr lang="en-US" dirty="0" smtClean="0"/>
+              <a:t> directory on </a:t>
+            </a:r>
+            <a:r>
+              <a:rPr lang="en-US" dirty="0" err="1" smtClean="0"/>
+              <a:t>CodeAlliance</a:t>
+            </a:r>
+            <a:r>
+              <a:rPr lang="en-US" dirty="0" smtClean="0"/>
+              <a:t> </a:t>
+            </a:r>
+            <a:r>
+              <a:rPr lang="en-US" dirty="0" err="1" smtClean="0"/>
+              <a:t>Github</a:t>
+            </a:r>
+            <a:r>
+              <a:rPr lang="en-US" dirty="0" smtClean="0"/>
+              <a:t> repo if haven’t already</a:t>
+            </a:r>
+          </a:p>
+          <a:p>
+            <a:r>
+              <a:rPr lang="en-US" dirty="0" smtClean="0"/>
+              <a:t>Implement </a:t>
+            </a:r>
+            <a:r>
               <a:rPr lang="en-US" dirty="0"/>
-              <a:t>Implement client-side to server-side functionality</a:t>
+              <a:t>client-side to server-side functionality</a:t>
             </a:r>
           </a:p>
           <a:p>

--- a/codeScorePreview.pptx
+++ b/codeScorePreview.pptx
@@ -3863,11 +3863,7 @@
           <a:p>
             <a:r>
               <a:rPr lang="en-US" smtClean="0"/>
-              <a:t>Each team member: f</a:t>
-            </a:r>
-            <a:r>
-              <a:rPr lang="en-US" smtClean="0"/>
-              <a:t>ork </a:t>
+              <a:t>Each team member: fork </a:t>
             </a:r>
             <a:r>
               <a:rPr lang="en-US" dirty="0" smtClean="0"/>
@@ -4305,7 +4301,21 @@
             </a:r>
             <a:r>
               <a:rPr lang="en-US" dirty="0" smtClean="0"/>
-              <a:t> – Technical Guru</a:t>
+              <a:t> – Technical </a:t>
+            </a:r>
+            <a:r>
+              <a:rPr lang="en-US" dirty="0" smtClean="0"/>
+              <a:t>Guru</a:t>
+            </a:r>
+          </a:p>
+          <a:p>
+            <a:r>
+              <a:rPr lang="en-US" dirty="0" smtClean="0"/>
+              <a:t>You – </a:t>
+            </a:r>
+            <a:r>
+              <a:rPr lang="en-US" smtClean="0"/>
+              <a:t>Code Warriors!!!</a:t>
             </a:r>
             <a:endParaRPr lang="en-US" dirty="0"/>
           </a:p>
@@ -4328,7 +4338,11 @@
           <a:p>
             <a:r>
               <a:rPr lang="en-US" dirty="0" smtClean="0"/>
-              <a:t>Project Committee</a:t>
+              <a:t>Project </a:t>
+            </a:r>
+            <a:r>
+              <a:rPr lang="en-US" dirty="0" smtClean="0"/>
+              <a:t>Team</a:t>
             </a:r>
             <a:endParaRPr lang="en-US" dirty="0"/>
           </a:p>
@@ -4979,14 +4993,15 @@
         <p:spPr/>
         <p:txBody>
           <a:bodyPr>
-            <a:normAutofit/>
+            <a:normAutofit lnSpcReduction="10000"/>
           </a:bodyPr>
           <a:lstStyle/>
           <a:p>
             <a:r>
               <a:rPr lang="en-US" dirty="0" smtClean="0"/>
-              <a:t>Constraints:</a:t>
-            </a:r>
+              <a:t>Constraints/Limitations:</a:t>
+            </a:r>
+            <a:endParaRPr lang="en-US" dirty="0" smtClean="0"/>
           </a:p>
           <a:p>
             <a:pPr marL="640080" lvl="2">
@@ -5019,7 +5034,18 @@
             <a:pPr lvl="1"/>
             <a:r>
               <a:rPr lang="en-US" dirty="0"/>
-              <a:t>Only worked in Firefox on my end (in web server, ran fine)</a:t>
+              <a:t>Only worked in Firefox on my end </a:t>
+            </a:r>
+            <a:r>
+              <a:rPr lang="en-US" dirty="0" smtClean="0"/>
+              <a:t>when not running web server</a:t>
+            </a:r>
+          </a:p>
+          <a:p>
+            <a:pPr lvl="1"/>
+            <a:r>
+              <a:rPr lang="en-US" dirty="0" smtClean="0"/>
+              <a:t>Ran fine on my end when running web server</a:t>
             </a:r>
             <a:endParaRPr lang="en-US" dirty="0" smtClean="0"/>
           </a:p>
@@ -5172,13 +5198,8 @@
           <a:p>
             <a:r>
               <a:rPr lang="en-US" dirty="0" smtClean="0"/>
-              <a:t>Prepared this PowerPoint project </a:t>
-            </a:r>
-            <a:r>
-              <a:rPr lang="en-US" smtClean="0"/>
-              <a:t>summary preview</a:t>
-            </a:r>
-            <a:endParaRPr lang="en-US" dirty="0" smtClean="0"/>
+              <a:t>Prepared this PowerPoint project summary preview</a:t>
+            </a:r>
           </a:p>
           <a:p>
             <a:endParaRPr lang="en-US" dirty="0"/>

--- a/codeScorePreview.pptx
+++ b/codeScorePreview.pptx
@@ -3857,163 +3857,167 @@
         </p:spPr>
         <p:txBody>
           <a:bodyPr>
-            <a:normAutofit fontScale="70000" lnSpcReduction="20000"/>
+            <a:noAutofit/>
           </a:bodyPr>
           <a:lstStyle/>
           <a:p>
             <a:r>
-              <a:rPr lang="en-US" smtClean="0"/>
-              <a:t>Each team member: fork </a:t>
-            </a:r>
-            <a:r>
-              <a:rPr lang="en-US" dirty="0" smtClean="0"/>
-              <a:t>into </a:t>
-            </a:r>
-            <a:r>
-              <a:rPr lang="en-US" dirty="0" err="1" smtClean="0"/>
+              <a:rPr lang="en-US" sz="1400" dirty="0" smtClean="0"/>
+              <a:t>Each team member: fork into </a:t>
+            </a:r>
+            <a:r>
+              <a:rPr lang="en-US" sz="1400" dirty="0" err="1" smtClean="0"/>
               <a:t>codescore</a:t>
             </a:r>
             <a:r>
-              <a:rPr lang="en-US" dirty="0" smtClean="0"/>
+              <a:rPr lang="en-US" sz="1400" dirty="0" smtClean="0"/>
               <a:t> directory on </a:t>
             </a:r>
             <a:r>
-              <a:rPr lang="en-US" dirty="0" err="1" smtClean="0"/>
+              <a:rPr lang="en-US" sz="1400" dirty="0" err="1" smtClean="0"/>
               <a:t>CodeAlliance</a:t>
             </a:r>
             <a:r>
-              <a:rPr lang="en-US" dirty="0" smtClean="0"/>
+              <a:rPr lang="en-US" sz="1400" dirty="0" smtClean="0"/>
               <a:t> </a:t>
             </a:r>
             <a:r>
-              <a:rPr lang="en-US" dirty="0" err="1" smtClean="0"/>
+              <a:rPr lang="en-US" sz="1400" dirty="0" err="1" smtClean="0"/>
               <a:t>Github</a:t>
             </a:r>
             <a:r>
-              <a:rPr lang="en-US" dirty="0" smtClean="0"/>
+              <a:rPr lang="en-US" sz="1400" dirty="0" smtClean="0"/>
               <a:t> repo if haven’t already</a:t>
             </a:r>
           </a:p>
           <a:p>
             <a:r>
-              <a:rPr lang="en-US" dirty="0" smtClean="0"/>
+              <a:rPr lang="en-US" sz="1400" dirty="0" smtClean="0"/>
               <a:t>Implement </a:t>
             </a:r>
             <a:r>
-              <a:rPr lang="en-US" dirty="0"/>
+              <a:rPr lang="en-US" sz="1400" dirty="0"/>
               <a:t>client-side to server-side functionality</a:t>
             </a:r>
           </a:p>
           <a:p>
             <a:pPr lvl="1"/>
             <a:r>
-              <a:rPr lang="en-US" dirty="0"/>
+              <a:rPr lang="en-US" sz="1400" dirty="0"/>
               <a:t>PHP </a:t>
             </a:r>
             <a:r>
-              <a:rPr lang="en-US" dirty="0" smtClean="0"/>
+              <a:rPr lang="en-US" sz="1400" dirty="0" smtClean="0"/>
               <a:t>post from </a:t>
             </a:r>
             <a:r>
-              <a:rPr lang="en-US" dirty="0"/>
+              <a:rPr lang="en-US" sz="1400" dirty="0"/>
               <a:t>HTML/CSS/Angular to </a:t>
             </a:r>
             <a:r>
-              <a:rPr lang="en-US" dirty="0" smtClean="0"/>
+              <a:rPr lang="en-US" sz="1400" dirty="0" smtClean="0"/>
               <a:t>MySQL for storing saved surveys</a:t>
             </a:r>
-            <a:endParaRPr lang="en-US" dirty="0"/>
+            <a:endParaRPr lang="en-US" sz="1400" dirty="0"/>
           </a:p>
           <a:p>
             <a:pPr lvl="1"/>
             <a:r>
-              <a:rPr lang="en-US" dirty="0"/>
+              <a:rPr lang="en-US" sz="1400" dirty="0"/>
               <a:t>Server-side validation (to prevent XSS/XSF, SQL injection, etc.)</a:t>
             </a:r>
           </a:p>
           <a:p>
             <a:pPr lvl="1"/>
             <a:r>
-              <a:rPr lang="en-US" dirty="0"/>
+              <a:rPr lang="en-US" sz="1400" dirty="0"/>
               <a:t>Setup of </a:t>
             </a:r>
             <a:r>
-              <a:rPr lang="en-US" dirty="0" smtClean="0"/>
+              <a:rPr lang="en-US" sz="1400" dirty="0" smtClean="0"/>
               <a:t>web server/database  (Apache, XAMPP, </a:t>
             </a:r>
             <a:r>
-              <a:rPr lang="en-US" dirty="0" err="1" smtClean="0"/>
+              <a:rPr lang="en-US" sz="1400" dirty="0" err="1" smtClean="0"/>
               <a:t>Heroku</a:t>
             </a:r>
             <a:r>
-              <a:rPr lang="en-US" dirty="0" smtClean="0"/>
+              <a:rPr lang="en-US" sz="1400" dirty="0" smtClean="0"/>
               <a:t>, AWS, localhost?)</a:t>
             </a:r>
           </a:p>
           <a:p>
             <a:r>
-              <a:rPr lang="en-US" dirty="0" smtClean="0"/>
+              <a:rPr lang="en-US" sz="1400" dirty="0" smtClean="0"/>
               <a:t>Implement survey administration</a:t>
             </a:r>
           </a:p>
           <a:p>
             <a:pPr lvl="1"/>
             <a:r>
-              <a:rPr lang="en-US" dirty="0" smtClean="0"/>
+              <a:rPr lang="en-US" sz="1400" dirty="0" smtClean="0"/>
               <a:t>PHP get from database for participant response to saved surveys</a:t>
             </a:r>
           </a:p>
           <a:p>
             <a:pPr lvl="1"/>
             <a:r>
-              <a:rPr lang="en-US" dirty="0" smtClean="0"/>
+              <a:rPr lang="en-US" sz="1400" dirty="0" smtClean="0"/>
               <a:t>PHP post to database of survey responses</a:t>
             </a:r>
           </a:p>
           <a:p>
             <a:r>
-              <a:rPr lang="en-US" dirty="0" smtClean="0"/>
+              <a:rPr lang="en-US" sz="1400" dirty="0" smtClean="0"/>
               <a:t>Edits to code as needed/suggested for style, formatting, functionality, usability, etc.</a:t>
             </a:r>
           </a:p>
           <a:p>
             <a:pPr lvl="1"/>
             <a:r>
-              <a:rPr lang="en-US" dirty="0" smtClean="0"/>
+              <a:rPr lang="en-US" sz="1400" dirty="0" smtClean="0"/>
               <a:t>Directives for survey edits on single HTML page (suggested)</a:t>
             </a:r>
           </a:p>
           <a:p>
             <a:pPr lvl="1"/>
             <a:r>
-              <a:rPr lang="en-US" dirty="0" smtClean="0"/>
+              <a:rPr lang="en-US" sz="1400" dirty="0" smtClean="0"/>
               <a:t>Capability to dynamically add/remove number of questions in each set (open to consideration)</a:t>
             </a:r>
           </a:p>
           <a:p>
             <a:pPr lvl="1"/>
             <a:r>
-              <a:rPr lang="en-US" dirty="0" smtClean="0"/>
-              <a:t>Scroll boxes? Single page vs. multi-page? Other edits?</a:t>
-            </a:r>
-          </a:p>
-          <a:p>
-            <a:r>
-              <a:rPr lang="en-US" dirty="0" smtClean="0"/>
+              <a:rPr lang="en-US" sz="1400" dirty="0" smtClean="0"/>
+              <a:t>Scroll boxes? Single page vs. multi-page? </a:t>
+            </a:r>
+            <a:r>
+              <a:rPr lang="en-US" sz="1400" dirty="0" smtClean="0"/>
+              <a:t>PHP/HTML or all PHP? Other </a:t>
+            </a:r>
+            <a:r>
+              <a:rPr lang="en-US" sz="1400" dirty="0" smtClean="0"/>
+              <a:t>edits?</a:t>
+            </a:r>
+          </a:p>
+          <a:p>
+            <a:r>
+              <a:rPr lang="en-US" sz="1400" dirty="0" smtClean="0"/>
               <a:t>Draft documentation</a:t>
             </a:r>
           </a:p>
           <a:p>
             <a:pPr lvl="1"/>
             <a:r>
-              <a:rPr lang="en-US" dirty="0" smtClean="0"/>
+              <a:rPr lang="en-US" sz="1400" dirty="0" smtClean="0"/>
               <a:t>Excerpts for May 8, 2016 conference plenary (important)</a:t>
             </a:r>
           </a:p>
           <a:p>
             <a:pPr lvl="1"/>
             <a:r>
-              <a:rPr lang="en-US" dirty="0" smtClean="0"/>
+              <a:rPr lang="en-US" sz="1400" dirty="0" smtClean="0"/>
               <a:t>Others as needed/suggested: Manuals? Diagrams? </a:t>
             </a:r>
           </a:p>
@@ -4029,7 +4033,12 @@
             <p:ph type="title"/>
           </p:nvPr>
         </p:nvSpPr>
-        <p:spPr/>
+        <p:spPr>
+          <a:xfrm>
+            <a:off x="777240" y="5410200"/>
+            <a:ext cx="7543800" cy="914400"/>
+          </a:xfrm>
+        </p:spPr>
         <p:txBody>
           <a:bodyPr/>
           <a:lstStyle/>
@@ -4301,11 +4310,7 @@
             </a:r>
             <a:r>
               <a:rPr lang="en-US" dirty="0" smtClean="0"/>
-              <a:t> – Technical </a:t>
-            </a:r>
-            <a:r>
-              <a:rPr lang="en-US" dirty="0" smtClean="0"/>
-              <a:t>Guru</a:t>
+              <a:t> – Technical Guru</a:t>
             </a:r>
           </a:p>
           <a:p>
@@ -4338,11 +4343,7 @@
           <a:p>
             <a:r>
               <a:rPr lang="en-US" dirty="0" smtClean="0"/>
-              <a:t>Project </a:t>
-            </a:r>
-            <a:r>
-              <a:rPr lang="en-US" dirty="0" smtClean="0"/>
-              <a:t>Team</a:t>
+              <a:t>Project Team</a:t>
             </a:r>
             <a:endParaRPr lang="en-US" dirty="0"/>
           </a:p>
@@ -5001,7 +5002,6 @@
               <a:rPr lang="en-US" dirty="0" smtClean="0"/>
               <a:t>Constraints/Limitations:</a:t>
             </a:r>
-            <a:endParaRPr lang="en-US" dirty="0" smtClean="0"/>
           </a:p>
           <a:p>
             <a:pPr marL="640080" lvl="2">
@@ -5047,7 +5047,6 @@
               <a:rPr lang="en-US" dirty="0" smtClean="0"/>
               <a:t>Ran fine on my end when running web server</a:t>
             </a:r>
-            <a:endParaRPr lang="en-US" dirty="0" smtClean="0"/>
           </a:p>
           <a:p>
             <a:r>

--- a/codeScorePreview.pptx
+++ b/codeScorePreview.pptx
@@ -3903,8 +3903,8 @@
           <a:p>
             <a:pPr lvl="1"/>
             <a:r>
-              <a:rPr lang="en-US" sz="1400" dirty="0"/>
-              <a:t>PHP </a:t>
+              <a:rPr lang="en-US" sz="1400" dirty="0" smtClean="0"/>
+              <a:t>Finish PHP </a:t>
             </a:r>
             <a:r>
               <a:rPr lang="en-US" sz="1400" dirty="0" smtClean="0"/>
@@ -3990,15 +3990,7 @@
             <a:pPr lvl="1"/>
             <a:r>
               <a:rPr lang="en-US" sz="1400" dirty="0" smtClean="0"/>
-              <a:t>Scroll boxes? Single page vs. multi-page? </a:t>
-            </a:r>
-            <a:r>
-              <a:rPr lang="en-US" sz="1400" dirty="0" smtClean="0"/>
-              <a:t>PHP/HTML or all PHP? Other </a:t>
-            </a:r>
-            <a:r>
-              <a:rPr lang="en-US" sz="1400" dirty="0" smtClean="0"/>
-              <a:t>edits?</a:t>
+              <a:t>Scroll boxes? Single page vs. multi-page? PHP/HTML or all PHP? Other edits?</a:t>
             </a:r>
           </a:p>
           <a:p>
@@ -5151,7 +5143,7 @@
         </p:spPr>
         <p:txBody>
           <a:bodyPr>
-            <a:normAutofit fontScale="92500" lnSpcReduction="10000"/>
+            <a:normAutofit fontScale="92500" lnSpcReduction="20000"/>
           </a:bodyPr>
           <a:lstStyle/>
           <a:p>
@@ -5191,8 +5183,15 @@
           <a:p>
             <a:r>
               <a:rPr lang="en-US" dirty="0" smtClean="0"/>
+              <a:t>Begun implementing PHP functionality</a:t>
+            </a:r>
+          </a:p>
+          <a:p>
+            <a:r>
+              <a:rPr lang="en-US" dirty="0" smtClean="0"/>
               <a:t>Wrote initial scope document</a:t>
             </a:r>
+            <a:endParaRPr lang="en-US" dirty="0" smtClean="0"/>
           </a:p>
           <a:p>
             <a:r>
